--- a/written_assignments/JSON Explained.pptx
+++ b/written_assignments/JSON Explained.pptx
@@ -204,7 +204,7 @@
           <a:p>
             <a:fld id="{AFD01546-198A-4195-BCF8-F0FF54C90E5E}" type="datetimeFigureOut">
               <a:rPr lang="en-US" smtClean="0"/>
-              <a:t>10/16/2020</a:t>
+              <a:t>10/17/2020</a:t>
             </a:fld>
             <a:endParaRPr lang="en-US" dirty="0"/>
           </a:p>
@@ -811,7 +811,7 @@
           <a:p>
             <a:fld id="{88D38747-4367-4BD2-8D51-C97E202738E2}" type="datetime1">
               <a:rPr lang="en-US" smtClean="0"/>
-              <a:t>10/16/2020</a:t>
+              <a:t>10/17/2020</a:t>
             </a:fld>
             <a:endParaRPr lang="en-US" dirty="0"/>
           </a:p>
@@ -1093,7 +1093,7 @@
           <a:p>
             <a:fld id="{073ED0CC-082F-4160-86E5-0D6041F12778}" type="datetime1">
               <a:rPr lang="en-US" smtClean="0"/>
-              <a:t>10/16/2020</a:t>
+              <a:t>10/17/2020</a:t>
             </a:fld>
             <a:endParaRPr lang="en-US" dirty="0"/>
           </a:p>
@@ -1286,7 +1286,7 @@
           <a:p>
             <a:fld id="{073ED0CC-082F-4160-86E5-0D6041F12778}" type="datetime1">
               <a:rPr lang="en-US" smtClean="0"/>
-              <a:t>10/16/2020</a:t>
+              <a:t>10/17/2020</a:t>
             </a:fld>
             <a:endParaRPr lang="en-US" dirty="0"/>
           </a:p>
@@ -1548,7 +1548,7 @@
           <a:p>
             <a:fld id="{073ED0CC-082F-4160-86E5-0D6041F12778}" type="datetime1">
               <a:rPr lang="en-US" smtClean="0"/>
-              <a:t>10/16/2020</a:t>
+              <a:t>10/17/2020</a:t>
             </a:fld>
             <a:endParaRPr lang="en-US" dirty="0"/>
           </a:p>
@@ -1975,7 +1975,7 @@
           <a:p>
             <a:fld id="{073ED0CC-082F-4160-86E5-0D6041F12778}" type="datetime1">
               <a:rPr lang="en-US" smtClean="0"/>
-              <a:t>10/16/2020</a:t>
+              <a:t>10/17/2020</a:t>
             </a:fld>
             <a:endParaRPr lang="en-US" dirty="0"/>
           </a:p>
@@ -2522,7 +2522,7 @@
           <a:p>
             <a:fld id="{073ED0CC-082F-4160-86E5-0D6041F12778}" type="datetime1">
               <a:rPr lang="en-US" smtClean="0"/>
-              <a:t>10/16/2020</a:t>
+              <a:t>10/17/2020</a:t>
             </a:fld>
             <a:endParaRPr lang="en-US" dirty="0"/>
           </a:p>
@@ -3354,7 +3354,7 @@
           <a:p>
             <a:fld id="{073ED0CC-082F-4160-86E5-0D6041F12778}" type="datetime1">
               <a:rPr lang="en-US" smtClean="0"/>
-              <a:t>10/16/2020</a:t>
+              <a:t>10/17/2020</a:t>
             </a:fld>
             <a:endParaRPr lang="en-US" dirty="0"/>
           </a:p>
@@ -3525,7 +3525,7 @@
           <a:p>
             <a:fld id="{073ED0CC-082F-4160-86E5-0D6041F12778}" type="datetime1">
               <a:rPr lang="en-US" smtClean="0"/>
-              <a:t>10/16/2020</a:t>
+              <a:t>10/17/2020</a:t>
             </a:fld>
             <a:endParaRPr lang="en-US" dirty="0"/>
           </a:p>
@@ -3706,7 +3706,7 @@
           <a:p>
             <a:fld id="{073ED0CC-082F-4160-86E5-0D6041F12778}" type="datetime1">
               <a:rPr lang="en-US" smtClean="0"/>
-              <a:t>10/16/2020</a:t>
+              <a:t>10/17/2020</a:t>
             </a:fld>
             <a:endParaRPr lang="en-US" dirty="0"/>
           </a:p>
@@ -3877,7 +3877,7 @@
           <a:p>
             <a:fld id="{73C55A3C-5767-4844-A0A3-83778C2E5409}" type="datetime1">
               <a:rPr lang="en-US" smtClean="0"/>
-              <a:t>10/16/2020</a:t>
+              <a:t>10/17/2020</a:t>
             </a:fld>
             <a:endParaRPr lang="en-US" dirty="0"/>
           </a:p>
@@ -4134,7 +4134,7 @@
           <a:p>
             <a:fld id="{CAE507A8-A5CF-4D38-AB86-7EDDA87A85D4}" type="datetime1">
               <a:rPr lang="en-US" smtClean="0"/>
-              <a:t>10/16/2020</a:t>
+              <a:t>10/17/2020</a:t>
             </a:fld>
             <a:endParaRPr lang="en-US" dirty="0"/>
           </a:p>
@@ -4367,7 +4367,7 @@
           <a:p>
             <a:fld id="{BDFCD27C-8599-43EF-BA1D-14DDC1946E06}" type="datetime1">
               <a:rPr lang="en-US" smtClean="0"/>
-              <a:t>10/16/2020</a:t>
+              <a:t>10/17/2020</a:t>
             </a:fld>
             <a:endParaRPr lang="en-US" dirty="0"/>
           </a:p>
@@ -4760,7 +4760,7 @@
           <a:p>
             <a:fld id="{49343D99-809A-49C0-96E5-4250D0B498EE}" type="datetime1">
               <a:rPr lang="en-US" smtClean="0"/>
-              <a:t>10/16/2020</a:t>
+              <a:t>10/17/2020</a:t>
             </a:fld>
             <a:endParaRPr lang="en-US" dirty="0"/>
           </a:p>
@@ -4878,7 +4878,7 @@
           <a:p>
             <a:fld id="{A143DE9B-B678-4EFB-BB7D-A4370204A0B0}" type="datetime1">
               <a:rPr lang="en-US" smtClean="0"/>
-              <a:t>10/16/2020</a:t>
+              <a:t>10/17/2020</a:t>
             </a:fld>
             <a:endParaRPr lang="en-US" dirty="0"/>
           </a:p>
@@ -4973,7 +4973,7 @@
           <a:p>
             <a:fld id="{E68812DA-F765-4142-A6A3-A8ED7235E082}" type="datetime1">
               <a:rPr lang="en-US" smtClean="0"/>
-              <a:t>10/16/2020</a:t>
+              <a:t>10/17/2020</a:t>
             </a:fld>
             <a:endParaRPr lang="en-US" dirty="0"/>
           </a:p>
@@ -5246,7 +5246,7 @@
           <a:p>
             <a:fld id="{3E0277FD-7DE6-41D4-930D-AC99F5AFE54E}" type="datetime1">
               <a:rPr lang="en-US" smtClean="0"/>
-              <a:t>10/16/2020</a:t>
+              <a:t>10/17/2020</a:t>
             </a:fld>
             <a:endParaRPr lang="en-US" dirty="0"/>
           </a:p>
@@ -5528,7 +5528,7 @@
           <a:p>
             <a:fld id="{9EA15526-7079-4B7B-987C-1B5FAE11A0FF}" type="datetime1">
               <a:rPr lang="en-US" smtClean="0"/>
-              <a:t>10/16/2020</a:t>
+              <a:t>10/17/2020</a:t>
             </a:fld>
             <a:endParaRPr lang="en-US" dirty="0"/>
           </a:p>
@@ -5769,7 +5769,7 @@
           <a:p>
             <a:fld id="{073ED0CC-082F-4160-86E5-0D6041F12778}" type="datetime1">
               <a:rPr lang="en-US" smtClean="0"/>
-              <a:t>10/16/2020</a:t>
+              <a:t>10/17/2020</a:t>
             </a:fld>
             <a:endParaRPr lang="en-US" dirty="0"/>
           </a:p>
@@ -6551,10 +6551,10 @@
       </p:pic>
       <p:sp>
         <p:nvSpPr>
-          <p:cNvPr id="2" name="Title 1">
+          <p:cNvPr id="24" name="Content Placeholder 2">
             <a:extLst>
               <a:ext uri="{FF2B5EF4-FFF2-40B4-BE49-F238E27FC236}">
-                <a16:creationId xmlns:a16="http://schemas.microsoft.com/office/drawing/2014/main" id="{89559F60-4CE1-4E2F-86EA-1B60679F1F4A}"/>
+                <a16:creationId xmlns:a16="http://schemas.microsoft.com/office/drawing/2014/main" id="{F260476B-CCA6-412B-A9C5-399C34AE6F05}"/>
               </a:ext>
             </a:extLst>
           </p:cNvPr>
@@ -6562,13 +6562,214 @@
             <a:spLocks noGrp="1"/>
           </p:cNvSpPr>
           <p:nvPr>
-            <p:ph type="title"/>
+            <p:ph idx="1"/>
           </p:nvPr>
         </p:nvSpPr>
         <p:spPr>
           <a:xfrm>
-            <a:off x="2209800" y="4464028"/>
-            <a:ext cx="9144000" cy="1641490"/>
+            <a:off x="1887523" y="1627464"/>
+            <a:ext cx="9466276" cy="4311219"/>
+          </a:xfrm>
+        </p:spPr>
+        <p:txBody>
+          <a:bodyPr vert="horz" lIns="91440" tIns="45720" rIns="91440" bIns="45720" rtlCol="0" anchor="b">
+            <a:normAutofit/>
+          </a:bodyPr>
+          <a:lstStyle/>
+          <a:p>
+            <a:r>
+              <a:rPr lang="en-US" sz="3200" dirty="0">
+                <a:gradFill flip="none" rotWithShape="1">
+                  <a:gsLst>
+                    <a:gs pos="15000">
+                      <a:schemeClr val="tx2"/>
+                    </a:gs>
+                    <a:gs pos="73000">
+                      <a:schemeClr val="tx2">
+                        <a:lumMod val="60000"/>
+                        <a:lumOff val="40000"/>
+                      </a:schemeClr>
+                    </a:gs>
+                    <a:gs pos="0">
+                      <a:schemeClr val="tx2">
+                        <a:lumMod val="90000"/>
+                        <a:lumOff val="10000"/>
+                      </a:schemeClr>
+                    </a:gs>
+                    <a:gs pos="100000">
+                      <a:schemeClr val="tx2">
+                        <a:lumMod val="0"/>
+                        <a:lumOff val="100000"/>
+                      </a:schemeClr>
+                    </a:gs>
+                  </a:gsLst>
+                  <a:lin ang="16200000" scaled="1"/>
+                  <a:tileRect/>
+                </a:gradFill>
+                <a:latin typeface="+mj-lt"/>
+              </a:rPr>
+              <a:t>A web interface and a database can’t communicate efficiently.</a:t>
+            </a:r>
+          </a:p>
+          <a:p>
+            <a:r>
+              <a:rPr lang="en-US" sz="3200" dirty="0">
+                <a:gradFill flip="none" rotWithShape="1">
+                  <a:gsLst>
+                    <a:gs pos="15000">
+                      <a:schemeClr val="tx2"/>
+                    </a:gs>
+                    <a:gs pos="73000">
+                      <a:schemeClr val="tx2">
+                        <a:lumMod val="60000"/>
+                        <a:lumOff val="40000"/>
+                      </a:schemeClr>
+                    </a:gs>
+                    <a:gs pos="0">
+                      <a:schemeClr val="tx2">
+                        <a:lumMod val="90000"/>
+                        <a:lumOff val="10000"/>
+                      </a:schemeClr>
+                    </a:gs>
+                    <a:gs pos="100000">
+                      <a:schemeClr val="tx2">
+                        <a:lumMod val="0"/>
+                        <a:lumOff val="100000"/>
+                      </a:schemeClr>
+                    </a:gs>
+                  </a:gsLst>
+                  <a:lin ang="16200000" scaled="1"/>
+                  <a:tileRect/>
+                </a:gradFill>
+                <a:latin typeface="+mj-lt"/>
+              </a:rPr>
+              <a:t>Some sort of data interchange is needed that can be easily implemented and is easy to read.</a:t>
+            </a:r>
+          </a:p>
+          <a:p>
+            <a:r>
+              <a:rPr lang="en-US" sz="3200" dirty="0">
+                <a:gradFill flip="none" rotWithShape="1">
+                  <a:gsLst>
+                    <a:gs pos="15000">
+                      <a:schemeClr val="tx2"/>
+                    </a:gs>
+                    <a:gs pos="73000">
+                      <a:schemeClr val="tx2">
+                        <a:lumMod val="60000"/>
+                        <a:lumOff val="40000"/>
+                      </a:schemeClr>
+                    </a:gs>
+                    <a:gs pos="0">
+                      <a:schemeClr val="tx2">
+                        <a:lumMod val="90000"/>
+                        <a:lumOff val="10000"/>
+                      </a:schemeClr>
+                    </a:gs>
+                    <a:gs pos="100000">
+                      <a:schemeClr val="tx2">
+                        <a:lumMod val="0"/>
+                        <a:lumOff val="100000"/>
+                      </a:schemeClr>
+                    </a:gs>
+                  </a:gsLst>
+                  <a:lin ang="16200000" scaled="1"/>
+                  <a:tileRect/>
+                </a:gradFill>
+                <a:latin typeface="+mj-lt"/>
+              </a:rPr>
+              <a:t>That’s where Java Script Object Notation comes into play.</a:t>
+            </a:r>
+          </a:p>
+          <a:p>
+            <a:r>
+              <a:rPr lang="en-US" sz="3200" dirty="0">
+                <a:gradFill flip="none" rotWithShape="1">
+                  <a:gsLst>
+                    <a:gs pos="15000">
+                      <a:schemeClr val="tx2"/>
+                    </a:gs>
+                    <a:gs pos="73000">
+                      <a:schemeClr val="tx2">
+                        <a:lumMod val="60000"/>
+                        <a:lumOff val="40000"/>
+                      </a:schemeClr>
+                    </a:gs>
+                    <a:gs pos="0">
+                      <a:schemeClr val="tx2">
+                        <a:lumMod val="90000"/>
+                        <a:lumOff val="10000"/>
+                      </a:schemeClr>
+                    </a:gs>
+                    <a:gs pos="100000">
+                      <a:schemeClr val="tx2">
+                        <a:lumMod val="0"/>
+                        <a:lumOff val="100000"/>
+                      </a:schemeClr>
+                    </a:gs>
+                  </a:gsLst>
+                  <a:lin ang="16200000" scaled="1"/>
+                  <a:tileRect/>
+                </a:gradFill>
+                <a:latin typeface="+mj-lt"/>
+              </a:rPr>
+              <a:t>JSON is a file format that’s not only easy for humans to read, it’s easy for computer languages to interpret. </a:t>
+            </a:r>
+          </a:p>
+          <a:p>
+            <a:endParaRPr lang="en-US" sz="3200" dirty="0">
+              <a:gradFill flip="none" rotWithShape="1">
+                <a:gsLst>
+                  <a:gs pos="15000">
+                    <a:schemeClr val="tx2"/>
+                  </a:gs>
+                  <a:gs pos="73000">
+                    <a:schemeClr val="tx2">
+                      <a:lumMod val="60000"/>
+                      <a:lumOff val="40000"/>
+                    </a:schemeClr>
+                  </a:gs>
+                  <a:gs pos="0">
+                    <a:schemeClr val="tx2">
+                      <a:lumMod val="90000"/>
+                      <a:lumOff val="10000"/>
+                    </a:schemeClr>
+                  </a:gs>
+                  <a:gs pos="100000">
+                    <a:schemeClr val="tx2">
+                      <a:lumMod val="0"/>
+                      <a:lumOff val="100000"/>
+                    </a:schemeClr>
+                  </a:gs>
+                </a:gsLst>
+                <a:lin ang="16200000" scaled="1"/>
+                <a:tileRect/>
+              </a:gradFill>
+              <a:latin typeface="+mj-lt"/>
+            </a:endParaRPr>
+          </a:p>
+        </p:txBody>
+      </p:sp>
+      <p:sp>
+        <p:nvSpPr>
+          <p:cNvPr id="6" name="Title 1">
+            <a:extLst>
+              <a:ext uri="{FF2B5EF4-FFF2-40B4-BE49-F238E27FC236}">
+                <a16:creationId xmlns:a16="http://schemas.microsoft.com/office/drawing/2014/main" id="{23B217F1-E289-496E-BD33-DD98877AB328}"/>
+              </a:ext>
+            </a:extLst>
+          </p:cNvPr>
+          <p:cNvSpPr>
+            <a:spLocks noGrp="1"/>
+          </p:cNvSpPr>
+          <p:nvPr>
+            <p:ph type="title"/>
+          </p:nvPr>
+        </p:nvSpPr>
+        <p:spPr>
+          <a:xfrm>
+            <a:off x="838200" y="365125"/>
+            <a:ext cx="10515600" cy="1325563"/>
           </a:xfrm>
         </p:spPr>
         <p:txBody>
@@ -6577,7 +6778,6 @@
           </a:bodyPr>
           <a:lstStyle/>
           <a:p>
-            <a:pPr algn="r"/>
             <a:r>
               <a:rPr lang="en-US" sz="6000" spc="-300" dirty="0">
                 <a:gradFill flip="none" rotWithShape="1">
@@ -6616,73 +6816,6 @@
           </a:p>
         </p:txBody>
       </p:sp>
-      <p:sp>
-        <p:nvSpPr>
-          <p:cNvPr id="24" name="Content Placeholder 2">
-            <a:extLst>
-              <a:ext uri="{FF2B5EF4-FFF2-40B4-BE49-F238E27FC236}">
-                <a16:creationId xmlns:a16="http://schemas.microsoft.com/office/drawing/2014/main" id="{F260476B-CCA6-412B-A9C5-399C34AE6F05}"/>
-              </a:ext>
-            </a:extLst>
-          </p:cNvPr>
-          <p:cNvSpPr>
-            <a:spLocks noGrp="1"/>
-          </p:cNvSpPr>
-          <p:nvPr>
-            <p:ph idx="1"/>
-          </p:nvPr>
-        </p:nvSpPr>
-        <p:spPr>
-          <a:xfrm>
-            <a:off x="2209799" y="3694375"/>
-            <a:ext cx="9144000" cy="754025"/>
-          </a:xfrm>
-        </p:spPr>
-        <p:txBody>
-          <a:bodyPr vert="horz" lIns="91440" tIns="45720" rIns="91440" bIns="45720" rtlCol="0" anchor="b">
-            <a:normAutofit/>
-          </a:bodyPr>
-          <a:lstStyle/>
-          <a:p>
-            <a:pPr marL="0" indent="0" algn="r">
-              <a:buNone/>
-            </a:pPr>
-            <a:r>
-              <a:rPr lang="en-US" sz="3200">
-                <a:gradFill flip="none" rotWithShape="1">
-                  <a:gsLst>
-                    <a:gs pos="15000">
-                      <a:schemeClr val="tx2"/>
-                    </a:gs>
-                    <a:gs pos="73000">
-                      <a:schemeClr val="tx2">
-                        <a:lumMod val="60000"/>
-                        <a:lumOff val="40000"/>
-                      </a:schemeClr>
-                    </a:gs>
-                    <a:gs pos="0">
-                      <a:schemeClr val="tx2">
-                        <a:lumMod val="90000"/>
-                        <a:lumOff val="10000"/>
-                      </a:schemeClr>
-                    </a:gs>
-                    <a:gs pos="100000">
-                      <a:schemeClr val="tx2">
-                        <a:lumMod val="0"/>
-                        <a:lumOff val="100000"/>
-                      </a:schemeClr>
-                    </a:gs>
-                  </a:gsLst>
-                  <a:lin ang="16200000" scaled="1"/>
-                  <a:tileRect/>
-                </a:gradFill>
-                <a:latin typeface="+mj-lt"/>
-              </a:rPr>
-              <a:t>JSON is</a:t>
-            </a:r>
-          </a:p>
-        </p:txBody>
-      </p:sp>
     </p:spTree>
     <p:extLst>
       <p:ext uri="{BB962C8B-B14F-4D97-AF65-F5344CB8AC3E}">
@@ -6757,12 +6890,26 @@
             <p:ph idx="1"/>
           </p:nvPr>
         </p:nvSpPr>
-        <p:spPr/>
+        <p:spPr>
+          <a:xfrm>
+            <a:off x="1120000" y="1825625"/>
+            <a:ext cx="10233800" cy="2293369"/>
+          </a:xfrm>
+        </p:spPr>
         <p:txBody>
           <a:bodyPr/>
           <a:lstStyle/>
           <a:p>
-            <a:endParaRPr lang="en-US"/>
+            <a:r>
+              <a:rPr lang="en-US" dirty="0"/>
+              <a:t>Since most programming languages support JSON natively, the main use will be storing information that you want processed quickly.</a:t>
+            </a:r>
+          </a:p>
+          <a:p>
+            <a:r>
+              <a:rPr lang="en-US" dirty="0"/>
+              <a:t>This structured data can be transmitted  over a network between a server and a web application.</a:t>
+            </a:r>
           </a:p>
         </p:txBody>
       </p:sp>
@@ -6845,7 +6992,19 @@
           <a:bodyPr/>
           <a:lstStyle/>
           <a:p>
-            <a:endParaRPr lang="en-US"/>
+            <a:r>
+              <a:rPr lang="en-US" dirty="0"/>
+              <a:t>Serialization – to translate a data structure into a format that can be transmitted and reconstructed when needed.  </a:t>
+            </a:r>
+          </a:p>
+          <a:p>
+            <a:r>
+              <a:rPr lang="en-US" dirty="0"/>
+              <a:t>Data needs to be converted into bits and reconstructed into usable data.  JSON is one of a number of languages that can accomplish this, but the simplicity and back-end language support makes it the most logical choice for today’s web applications.  </a:t>
+            </a:r>
+          </a:p>
+          <a:p>
+            <a:endParaRPr lang="en-US" dirty="0"/>
           </a:p>
         </p:txBody>
       </p:sp>
@@ -9566,24 +9725,6 @@
 </file>
 
 <file path=customXml/item1.xml><?xml version="1.0" encoding="utf-8"?>
-<?mso-contentType ?>
-<FormTemplates xmlns="http://schemas.microsoft.com/sharepoint/v3/contenttype/forms">
-  <Display>DocumentLibraryForm</Display>
-  <Edit>DocumentLibraryForm</Edit>
-  <New>DocumentLibraryForm</New>
-</FormTemplates>
-</file>
-
-<file path=customXml/item2.xml><?xml version="1.0" encoding="utf-8"?>
-<p:properties xmlns:p="http://schemas.microsoft.com/office/2006/metadata/properties" xmlns:xsi="http://www.w3.org/2001/XMLSchema-instance" xmlns:pc="http://schemas.microsoft.com/office/infopath/2007/PartnerControls">
-  <documentManagement>
-    <Status xmlns="71af3243-3dd4-4a8d-8c0d-dd76da1f02a5">Not started</Status>
-    <MediaServiceKeyPoints xmlns="71af3243-3dd4-4a8d-8c0d-dd76da1f02a5" xsi:nil="true"/>
-  </documentManagement>
-</p:properties>
-</file>
-
-<file path=customXml/item3.xml><?xml version="1.0" encoding="utf-8"?>
 <ct:contentTypeSchema xmlns:ct="http://schemas.microsoft.com/office/2006/metadata/contentType" xmlns:ma="http://schemas.microsoft.com/office/2006/metadata/properties/metaAttributes" ct:_="" ma:_="" ma:contentTypeName="Document" ma:contentTypeID="0x01010079F111ED35F8CC479449609E8A0923A6" ma:contentTypeVersion="12" ma:contentTypeDescription="Create a new document." ma:contentTypeScope="" ma:versionID="a410dd7f93c95333ffa1b60ed6adedd1">
   <xsd:schema xmlns:xsd="http://www.w3.org/2001/XMLSchema" xmlns:xs="http://www.w3.org/2001/XMLSchema" xmlns:p="http://schemas.microsoft.com/office/2006/metadata/properties" xmlns:ns2="71af3243-3dd4-4a8d-8c0d-dd76da1f02a5" xmlns:ns3="16c05727-aa75-4e4a-9b5f-8a80a1165891" targetNamespace="http://schemas.microsoft.com/office/2006/metadata/properties" ma:root="true" ma:fieldsID="a936d9baba76aa3866493feff160faab" ns2:_="" ns3:_="">
     <xsd:import namespace="71af3243-3dd4-4a8d-8c0d-dd76da1f02a5"/>
@@ -9804,25 +9945,25 @@
 </ct:contentTypeSchema>
 </file>
 
-<file path=customXml/itemProps1.xml><?xml version="1.0" encoding="utf-8"?>
-<ds:datastoreItem xmlns:ds="http://schemas.openxmlformats.org/officeDocument/2006/customXml" ds:itemID="{64B270AB-C138-415C-897E-3C24487DECF1}">
-  <ds:schemaRefs>
-    <ds:schemaRef ds:uri="http://schemas.microsoft.com/sharepoint/v3/contenttype/forms"/>
-  </ds:schemaRefs>
-</ds:datastoreItem>
+<file path=customXml/item2.xml><?xml version="1.0" encoding="utf-8"?>
+<p:properties xmlns:p="http://schemas.microsoft.com/office/2006/metadata/properties" xmlns:xsi="http://www.w3.org/2001/XMLSchema-instance" xmlns:pc="http://schemas.microsoft.com/office/infopath/2007/PartnerControls">
+  <documentManagement>
+    <Status xmlns="71af3243-3dd4-4a8d-8c0d-dd76da1f02a5">Not started</Status>
+    <MediaServiceKeyPoints xmlns="71af3243-3dd4-4a8d-8c0d-dd76da1f02a5" xsi:nil="true"/>
+  </documentManagement>
+</p:properties>
 </file>
 
-<file path=customXml/itemProps2.xml><?xml version="1.0" encoding="utf-8"?>
-<ds:datastoreItem xmlns:ds="http://schemas.openxmlformats.org/officeDocument/2006/customXml" ds:itemID="{2C4C00F4-06E9-43E3-AD97-88A857CEFA82}">
-  <ds:schemaRefs>
-    <ds:schemaRef ds:uri="http://schemas.microsoft.com/office/2006/metadata/properties"/>
-    <ds:schemaRef ds:uri="http://schemas.microsoft.com/office/infopath/2007/PartnerControls"/>
-    <ds:schemaRef ds:uri="71af3243-3dd4-4a8d-8c0d-dd76da1f02a5"/>
-  </ds:schemaRefs>
-</ds:datastoreItem>
+<file path=customXml/item3.xml><?xml version="1.0" encoding="utf-8"?>
+<?mso-contentType ?>
+<FormTemplates xmlns="http://schemas.microsoft.com/sharepoint/v3/contenttype/forms">
+  <Display>DocumentLibraryForm</Display>
+  <Edit>DocumentLibraryForm</Edit>
+  <New>DocumentLibraryForm</New>
+</FormTemplates>
 </file>
 
-<file path=customXml/itemProps3.xml><?xml version="1.0" encoding="utf-8"?>
+<file path=customXml/itemProps1.xml><?xml version="1.0" encoding="utf-8"?>
 <ds:datastoreItem xmlns:ds="http://schemas.openxmlformats.org/officeDocument/2006/customXml" ds:itemID="{0585E981-8C91-4205-A0C3-C991F42B4C9E}">
   <ds:schemaRefs>
     <ds:schemaRef ds:uri="http://schemas.microsoft.com/office/2006/metadata/contentType"/>
@@ -9839,4 +9980,22 @@
     <ds:schemaRef ds:uri="http://schemas.microsoft.com/internal/obd"/>
   </ds:schemaRefs>
 </ds:datastoreItem>
+</file>
+
+<file path=customXml/itemProps2.xml><?xml version="1.0" encoding="utf-8"?>
+<ds:datastoreItem xmlns:ds="http://schemas.openxmlformats.org/officeDocument/2006/customXml" ds:itemID="{2C4C00F4-06E9-43E3-AD97-88A857CEFA82}">
+  <ds:schemaRefs>
+    <ds:schemaRef ds:uri="http://schemas.microsoft.com/office/2006/metadata/properties"/>
+    <ds:schemaRef ds:uri="http://schemas.microsoft.com/office/infopath/2007/PartnerControls"/>
+    <ds:schemaRef ds:uri="71af3243-3dd4-4a8d-8c0d-dd76da1f02a5"/>
+  </ds:schemaRefs>
+</ds:datastoreItem>
+</file>
+
+<file path=customXml/itemProps3.xml><?xml version="1.0" encoding="utf-8"?>
+<ds:datastoreItem xmlns:ds="http://schemas.openxmlformats.org/officeDocument/2006/customXml" ds:itemID="{64B270AB-C138-415C-897E-3C24487DECF1}">
+  <ds:schemaRefs>
+    <ds:schemaRef ds:uri="http://schemas.microsoft.com/sharepoint/v3/contenttype/forms"/>
+  </ds:schemaRefs>
+</ds:datastoreItem>
 </file>